--- a/转正述职报告.pptx
+++ b/转正述职报告.pptx
@@ -3614,7 +3614,7 @@
       </p:sp>
       <p:sp>
         <p:nvSpPr>
-          <p:cNvPr id="132" name="软件研发一部 金鑫"/>
+          <p:cNvPr id="132" name="后端研发一部 金鑫"/>
           <p:cNvSpPr txBox="1"/>
           <p:nvPr>
             <p:ph type="subTitle" sz="quarter" idx="1"/>
@@ -3637,7 +3637,7 @@
           <a:p>
             <a:pPr/>
             <a:r>
-              <a:t>软件研发一部 金鑫</a:t>
+              <a:t>后端研发一部 金鑫</a:t>
             </a:r>
           </a:p>
         </p:txBody>
